--- a/workshops/scrap.pptx
+++ b/workshops/scrap.pptx
@@ -210,7 +210,7 @@
           <a:p>
             <a:fld id="{ED3B5753-D53B-4E24-9E1D-73F4A804F6DB}" type="datetimeFigureOut">
               <a:rPr lang="fr-FR" smtClean="0"/>
-              <a:t>03/04/2016</a:t>
+              <a:t>04/04/2016</a:t>
             </a:fld>
             <a:endParaRPr lang="fr-FR"/>
           </a:p>
@@ -753,7 +753,7 @@
           <a:p>
             <a:fld id="{6C4C8252-A982-4420-A699-70F9FA7F51A2}" type="datetime1">
               <a:rPr lang="en-US" smtClean="0"/>
-              <a:t>4/3/2016</a:t>
+              <a:t>4/4/2016</a:t>
             </a:fld>
             <a:endParaRPr lang="en-US" dirty="0"/>
           </a:p>
@@ -1023,7 +1023,7 @@
           <a:p>
             <a:fld id="{7393F8A1-A5A5-42FF-9A03-51402F045482}" type="datetime1">
               <a:rPr lang="en-US" smtClean="0"/>
-              <a:t>4/3/2016</a:t>
+              <a:t>4/4/2016</a:t>
             </a:fld>
             <a:endParaRPr lang="en-US" dirty="0"/>
           </a:p>
@@ -1212,7 +1212,7 @@
           <a:p>
             <a:fld id="{534486DE-8475-4D04-8B0D-6E9D97E8E4CF}" type="datetime1">
               <a:rPr lang="en-US" smtClean="0"/>
-              <a:t>4/3/2016</a:t>
+              <a:t>4/4/2016</a:t>
             </a:fld>
             <a:endParaRPr lang="en-US" dirty="0"/>
           </a:p>
@@ -1475,7 +1475,7 @@
           <a:p>
             <a:fld id="{CF47C12E-57CB-4085-95BB-F1B01829BCC6}" type="datetime1">
               <a:rPr lang="en-US" smtClean="0"/>
-              <a:t>4/3/2016</a:t>
+              <a:t>4/4/2016</a:t>
             </a:fld>
             <a:endParaRPr lang="en-US" dirty="0"/>
           </a:p>
@@ -1802,7 +1802,7 @@
           <a:p>
             <a:fld id="{896FEEA5-F5B1-4409-828C-500C87E8C193}" type="datetime1">
               <a:rPr lang="en-US" smtClean="0"/>
-              <a:t>4/3/2016</a:t>
+              <a:t>4/4/2016</a:t>
             </a:fld>
             <a:endParaRPr lang="en-US" dirty="0"/>
           </a:p>
@@ -2407,7 +2407,7 @@
           <a:p>
             <a:fld id="{E909059A-EDCA-438B-869D-B5BB352BF77D}" type="datetime1">
               <a:rPr lang="en-US" smtClean="0"/>
-              <a:t>4/3/2016</a:t>
+              <a:t>4/4/2016</a:t>
             </a:fld>
             <a:endParaRPr lang="en-US" dirty="0"/>
           </a:p>
@@ -3249,7 +3249,7 @@
           <a:p>
             <a:fld id="{E8CDD556-4B13-477E-8FEF-FFE1BA398189}" type="datetime1">
               <a:rPr lang="en-US" smtClean="0"/>
-              <a:t>4/3/2016</a:t>
+              <a:t>4/4/2016</a:t>
             </a:fld>
             <a:endParaRPr lang="en-US" dirty="0"/>
           </a:p>
@@ -3414,7 +3414,7 @@
           <a:p>
             <a:fld id="{0901A4CB-F114-450A-B251-2245A6C13C3A}" type="datetime1">
               <a:rPr lang="en-US" smtClean="0"/>
-              <a:t>4/3/2016</a:t>
+              <a:t>4/4/2016</a:t>
             </a:fld>
             <a:endParaRPr lang="en-US" dirty="0"/>
           </a:p>
@@ -3589,7 +3589,7 @@
           <a:p>
             <a:fld id="{6638EE82-92D4-4600-8527-BC64AE944AF2}" type="datetime1">
               <a:rPr lang="en-US" smtClean="0"/>
-              <a:t>4/3/2016</a:t>
+              <a:t>4/4/2016</a:t>
             </a:fld>
             <a:endParaRPr lang="en-US" dirty="0"/>
           </a:p>
@@ -3754,7 +3754,7 @@
           <a:p>
             <a:fld id="{02EF5952-26CA-4A78-8A8B-02E52552EC04}" type="datetime1">
               <a:rPr lang="en-US" smtClean="0"/>
-              <a:t>4/3/2016</a:t>
+              <a:t>4/4/2016</a:t>
             </a:fld>
             <a:endParaRPr lang="en-US" dirty="0"/>
           </a:p>
@@ -3993,7 +3993,7 @@
           <a:p>
             <a:fld id="{D6C3173B-B5AA-4998-916F-ABF3849BEAF7}" type="datetime1">
               <a:rPr lang="en-US" smtClean="0"/>
-              <a:t>4/3/2016</a:t>
+              <a:t>4/4/2016</a:t>
             </a:fld>
             <a:endParaRPr lang="en-US" dirty="0"/>
           </a:p>
@@ -4280,7 +4280,7 @@
           <a:p>
             <a:fld id="{549CC34F-A389-463F-89AA-9A575C211307}" type="datetime1">
               <a:rPr lang="en-US" smtClean="0"/>
-              <a:t>4/3/2016</a:t>
+              <a:t>4/4/2016</a:t>
             </a:fld>
             <a:endParaRPr lang="en-US" dirty="0"/>
           </a:p>
@@ -4713,7 +4713,7 @@
           <a:p>
             <a:fld id="{044806A2-1BFF-433B-A804-5F7530217DC0}" type="datetime1">
               <a:rPr lang="en-US" smtClean="0"/>
-              <a:t>4/3/2016</a:t>
+              <a:t>4/4/2016</a:t>
             </a:fld>
             <a:endParaRPr lang="en-US" dirty="0"/>
           </a:p>
@@ -4826,7 +4826,7 @@
           <a:p>
             <a:fld id="{68B9AE98-9412-4320-91CB-34C6659ACCCC}" type="datetime1">
               <a:rPr lang="en-US" smtClean="0"/>
-              <a:t>4/3/2016</a:t>
+              <a:t>4/4/2016</a:t>
             </a:fld>
             <a:endParaRPr lang="en-US" dirty="0"/>
           </a:p>
@@ -4916,7 +4916,7 @@
           <a:p>
             <a:fld id="{DCED13B0-BB08-4795-9D6A-99FAC59B8822}" type="datetime1">
               <a:rPr lang="en-US" smtClean="0"/>
-              <a:t>4/3/2016</a:t>
+              <a:t>4/4/2016</a:t>
             </a:fld>
             <a:endParaRPr lang="en-US" dirty="0"/>
           </a:p>
@@ -5190,7 +5190,7 @@
           <a:p>
             <a:fld id="{55A3B5C7-5B13-4DAF-B971-AD0C3BBA39CE}" type="datetime1">
               <a:rPr lang="en-US" smtClean="0"/>
-              <a:t>4/3/2016</a:t>
+              <a:t>4/4/2016</a:t>
             </a:fld>
             <a:endParaRPr lang="en-US" dirty="0"/>
           </a:p>
@@ -5460,7 +5460,7 @@
           <a:p>
             <a:fld id="{AE5B173E-3417-466B-82F5-6E8D00425453}" type="datetime1">
               <a:rPr lang="en-US" smtClean="0"/>
-              <a:t>4/3/2016</a:t>
+              <a:t>4/4/2016</a:t>
             </a:fld>
             <a:endParaRPr lang="en-US" dirty="0"/>
           </a:p>
@@ -5884,7 +5884,7 @@
           <a:p>
             <a:fld id="{74592BEF-9EAC-4A57-AE9B-06CD372494A1}" type="datetime1">
               <a:rPr lang="en-US" smtClean="0"/>
-              <a:t>4/3/2016</a:t>
+              <a:t>4/4/2016</a:t>
             </a:fld>
             <a:endParaRPr lang="en-US" dirty="0"/>
           </a:p>
@@ -6573,11 +6573,7 @@
             <a:pPr algn="ctr"/>
             <a:r>
               <a:rPr lang="fr-FR" dirty="0" smtClean="0"/>
-              <a:t>Cliquer et </a:t>
-            </a:r>
-            <a:r>
-              <a:rPr lang="fr-FR" dirty="0" smtClean="0"/>
-              <a:t>faire des </a:t>
+              <a:t>Cliquer et faire des </a:t>
             </a:r>
             <a:r>
               <a:rPr lang="fr-FR" dirty="0" err="1" smtClean="0"/>
@@ -7113,7 +7109,6 @@
               <a:rPr lang="fr-FR" dirty="0" smtClean="0"/>
               <a:t>import.io </a:t>
             </a:r>
-            <a:endParaRPr lang="fr-FR" dirty="0" smtClean="0"/>
           </a:p>
           <a:p>
             <a:endParaRPr lang="fr-FR" dirty="0"/>
@@ -9838,8 +9833,12 @@
           <a:p>
             <a:pPr algn="ctr"/>
             <a:r>
+              <a:rPr lang="fr-FR" smtClean="0"/>
+              <a:t>Passer par </a:t>
+            </a:r>
+            <a:r>
               <a:rPr lang="fr-FR" dirty="0" smtClean="0"/>
-              <a:t>Passer un proxy</a:t>
+              <a:t>un proxy</a:t>
             </a:r>
             <a:endParaRPr lang="fr-FR" dirty="0"/>
           </a:p>
